--- a/docs/Lecture_004.pptx
+++ b/docs/Lecture_004.pptx
@@ -251,7 +251,7 @@
           <a:p>
             <a:fld id="{2C2D446A-5F06-4FB6-90AF-00741C033E90}" type="datetimeFigureOut">
               <a:rPr lang="en-US" smtClean="0"/>
-              <a:t>10/4/2023</a:t>
+              <a:t>10/12/2023</a:t>
             </a:fld>
             <a:endParaRPr lang="en-US"/>
           </a:p>
@@ -421,7 +421,7 @@
           <a:p>
             <a:fld id="{2C2D446A-5F06-4FB6-90AF-00741C033E90}" type="datetimeFigureOut">
               <a:rPr lang="en-US" smtClean="0"/>
-              <a:t>10/4/2023</a:t>
+              <a:t>10/12/2023</a:t>
             </a:fld>
             <a:endParaRPr lang="en-US"/>
           </a:p>
@@ -601,7 +601,7 @@
           <a:p>
             <a:fld id="{2C2D446A-5F06-4FB6-90AF-00741C033E90}" type="datetimeFigureOut">
               <a:rPr lang="en-US" smtClean="0"/>
-              <a:t>10/4/2023</a:t>
+              <a:t>10/12/2023</a:t>
             </a:fld>
             <a:endParaRPr lang="en-US"/>
           </a:p>
@@ -771,7 +771,7 @@
           <a:p>
             <a:fld id="{2C2D446A-5F06-4FB6-90AF-00741C033E90}" type="datetimeFigureOut">
               <a:rPr lang="en-US" smtClean="0"/>
-              <a:t>10/4/2023</a:t>
+              <a:t>10/12/2023</a:t>
             </a:fld>
             <a:endParaRPr lang="en-US"/>
           </a:p>
@@ -1015,7 +1015,7 @@
           <a:p>
             <a:fld id="{2C2D446A-5F06-4FB6-90AF-00741C033E90}" type="datetimeFigureOut">
               <a:rPr lang="en-US" smtClean="0"/>
-              <a:t>10/4/2023</a:t>
+              <a:t>10/12/2023</a:t>
             </a:fld>
             <a:endParaRPr lang="en-US"/>
           </a:p>
@@ -1247,7 +1247,7 @@
           <a:p>
             <a:fld id="{2C2D446A-5F06-4FB6-90AF-00741C033E90}" type="datetimeFigureOut">
               <a:rPr lang="en-US" smtClean="0"/>
-              <a:t>10/4/2023</a:t>
+              <a:t>10/12/2023</a:t>
             </a:fld>
             <a:endParaRPr lang="en-US"/>
           </a:p>
@@ -1614,7 +1614,7 @@
           <a:p>
             <a:fld id="{2C2D446A-5F06-4FB6-90AF-00741C033E90}" type="datetimeFigureOut">
               <a:rPr lang="en-US" smtClean="0"/>
-              <a:t>10/4/2023</a:t>
+              <a:t>10/12/2023</a:t>
             </a:fld>
             <a:endParaRPr lang="en-US"/>
           </a:p>
@@ -1732,7 +1732,7 @@
           <a:p>
             <a:fld id="{2C2D446A-5F06-4FB6-90AF-00741C033E90}" type="datetimeFigureOut">
               <a:rPr lang="en-US" smtClean="0"/>
-              <a:t>10/4/2023</a:t>
+              <a:t>10/12/2023</a:t>
             </a:fld>
             <a:endParaRPr lang="en-US"/>
           </a:p>
@@ -1827,7 +1827,7 @@
           <a:p>
             <a:fld id="{2C2D446A-5F06-4FB6-90AF-00741C033E90}" type="datetimeFigureOut">
               <a:rPr lang="en-US" smtClean="0"/>
-              <a:t>10/4/2023</a:t>
+              <a:t>10/12/2023</a:t>
             </a:fld>
             <a:endParaRPr lang="en-US"/>
           </a:p>
@@ -2104,7 +2104,7 @@
           <a:p>
             <a:fld id="{2C2D446A-5F06-4FB6-90AF-00741C033E90}" type="datetimeFigureOut">
               <a:rPr lang="en-US" smtClean="0"/>
-              <a:t>10/4/2023</a:t>
+              <a:t>10/12/2023</a:t>
             </a:fld>
             <a:endParaRPr lang="en-US"/>
           </a:p>
@@ -2361,7 +2361,7 @@
           <a:p>
             <a:fld id="{2C2D446A-5F06-4FB6-90AF-00741C033E90}" type="datetimeFigureOut">
               <a:rPr lang="en-US" smtClean="0"/>
-              <a:t>10/4/2023</a:t>
+              <a:t>10/12/2023</a:t>
             </a:fld>
             <a:endParaRPr lang="en-US"/>
           </a:p>
@@ -2583,7 +2583,7 @@
           <a:p>
             <a:fld id="{2C2D446A-5F06-4FB6-90AF-00741C033E90}" type="datetimeFigureOut">
               <a:rPr lang="en-US" smtClean="0"/>
-              <a:t>10/4/2023</a:t>
+              <a:t>10/12/2023</a:t>
             </a:fld>
             <a:endParaRPr lang="en-US"/>
           </a:p>
@@ -3688,7 +3688,7 @@
           <p:nvPr>
             <p:extLst>
               <p:ext uri="{D42A27DB-BD31-4B8C-83A1-F6EECF244321}">
-                <p14:modId xmlns:p14="http://schemas.microsoft.com/office/powerpoint/2010/main" val="481689468"/>
+                <p14:modId xmlns:p14="http://schemas.microsoft.com/office/powerpoint/2010/main" val="3626609424"/>
               </p:ext>
             </p:extLst>
           </p:nvPr>
@@ -3717,7 +3717,7 @@
                   </a:extLst>
                 </a:gridCol>
               </a:tblGrid>
-              <a:tr h="276225">
+              <a:tr h="351190">
                 <a:tc gridSpan="2">
                   <a:txBody>
                     <a:bodyPr/>
@@ -3852,19 +3852,16 @@
                         <a:buNone/>
                         <a:tabLst/>
                       </a:pPr>
-                      <a:r>
-                        <a:rPr kumimoji="0" lang="en-US" altLang="en-US" sz="2000" b="1" i="0" u="none" strike="noStrike" cap="none" normalizeH="0" baseline="0">
-                          <a:ln>
-                            <a:noFill/>
-                          </a:ln>
-                          <a:solidFill>
-                            <a:schemeClr val="bg1"/>
-                          </a:solidFill>
-                          <a:effectLst/>
-                          <a:latin typeface="Tahoma" panose="020B0604030504040204" pitchFamily="34" charset="0"/>
-                        </a:rPr>
-                        <a:t>hello2.py</a:t>
-                      </a:r>
+                      <a:endParaRPr kumimoji="0" lang="en-US" altLang="en-US" sz="2000" b="1" i="0" u="none" strike="noStrike" cap="none" normalizeH="0" baseline="0" dirty="0">
+                        <a:ln>
+                          <a:noFill/>
+                        </a:ln>
+                        <a:solidFill>
+                          <a:schemeClr val="bg1"/>
+                        </a:solidFill>
+                        <a:effectLst/>
+                        <a:latin typeface="Tahoma" panose="020B0604030504040204" pitchFamily="34" charset="0"/>
+                      </a:endParaRPr>
                     </a:p>
                   </a:txBody>
                   <a:tcPr marL="41477" marR="41477" marT="41477" marB="41477" horzOverflow="overflow">
@@ -3931,7 +3928,7 @@
                   </a:ext>
                 </a:extLst>
               </a:tr>
-              <a:tr h="561975">
+              <a:tr h="1859360">
                 <a:tc>
                   <a:txBody>
                     <a:bodyPr/>
@@ -5212,7 +5209,7 @@
           <p:nvPr>
             <p:extLst>
               <p:ext uri="{D42A27DB-BD31-4B8C-83A1-F6EECF244321}">
-                <p14:modId xmlns:p14="http://schemas.microsoft.com/office/powerpoint/2010/main" val="934420407"/>
+                <p14:modId xmlns:p14="http://schemas.microsoft.com/office/powerpoint/2010/main" val="737847362"/>
               </p:ext>
             </p:extLst>
           </p:nvPr>
@@ -5376,19 +5373,16 @@
                         <a:buNone/>
                         <a:tabLst/>
                       </a:pPr>
-                      <a:r>
-                        <a:rPr kumimoji="0" lang="en-US" altLang="en-US" sz="2000" b="1" i="0" u="none" strike="noStrike" cap="none" normalizeH="0" baseline="0" dirty="0">
-                          <a:ln>
-                            <a:noFill/>
-                          </a:ln>
-                          <a:solidFill>
-                            <a:schemeClr val="bg1"/>
-                          </a:solidFill>
-                          <a:effectLst/>
-                          <a:latin typeface="Tahoma" panose="020B0604030504040204" pitchFamily="34" charset="0"/>
-                        </a:rPr>
-                        <a:t>hello3.py</a:t>
-                      </a:r>
+                      <a:endParaRPr kumimoji="0" lang="en-US" altLang="en-US" sz="2000" b="1" i="0" u="none" strike="noStrike" cap="none" normalizeH="0" baseline="0" dirty="0">
+                        <a:ln>
+                          <a:noFill/>
+                        </a:ln>
+                        <a:solidFill>
+                          <a:schemeClr val="bg1"/>
+                        </a:solidFill>
+                        <a:effectLst/>
+                        <a:latin typeface="Tahoma" panose="020B0604030504040204" pitchFamily="34" charset="0"/>
+                      </a:endParaRPr>
                     </a:p>
                   </a:txBody>
                   <a:tcPr marL="41477" marR="41477" marT="41477" marB="41477" horzOverflow="overflow">
